--- a/201315649 홍승준 2차 발표.pptx
+++ b/201315649 홍승준 2차 발표.pptx
@@ -121,7 +121,7 @@
   </p:defaultTextStyle>
   <p:extLst>
     <p:ext uri="{EFAFB233-063F-42B5-8137-9DF3F51BA10A}">
-      <p15:sldGuideLst xmlns="" xmlns:p15="http://schemas.microsoft.com/office/powerpoint/2012/main">
+      <p15:sldGuideLst xmlns:p15="http://schemas.microsoft.com/office/powerpoint/2012/main" xmlns="">
         <p15:guide id="1" orient="horz" pos="2160">
           <p15:clr>
             <a:srgbClr val="A4A3A4"/>
@@ -221,7 +221,7 @@
             <a:fld id="{D37F25F0-199A-49B8-8944-E994D3FE86FF}" type="datetimeFigureOut">
               <a:rPr lang="ko-KR" altLang="en-US" smtClean="0"/>
               <a:pPr/>
-              <a:t>2017-10-17</a:t>
+              <a:t>2017-10-18</a:t>
             </a:fld>
             <a:endParaRPr lang="ko-KR" altLang="en-US"/>
           </a:p>
@@ -669,7 +669,7 @@
             <a:fld id="{BF520C7A-B1C9-4573-AFC6-A3B4EDFF741A}" type="datetimeFigureOut">
               <a:rPr lang="ko-KR" altLang="en-US" smtClean="0"/>
               <a:pPr/>
-              <a:t>2017-10-17</a:t>
+              <a:t>2017-10-18</a:t>
             </a:fld>
             <a:endParaRPr lang="ko-KR" altLang="en-US"/>
           </a:p>
@@ -721,7 +721,7 @@
     </p:spTree>
     <p:extLst>
       <p:ext uri="{BB962C8B-B14F-4D97-AF65-F5344CB8AC3E}">
-        <p14:creationId xmlns="" xmlns:p14="http://schemas.microsoft.com/office/powerpoint/2010/main" val="2938576314"/>
+        <p14:creationId xmlns:p14="http://schemas.microsoft.com/office/powerpoint/2010/main" xmlns="" val="2938576314"/>
       </p:ext>
     </p:extLst>
   </p:cSld>
@@ -841,7 +841,7 @@
             <a:fld id="{BF520C7A-B1C9-4573-AFC6-A3B4EDFF741A}" type="datetimeFigureOut">
               <a:rPr lang="ko-KR" altLang="en-US" smtClean="0"/>
               <a:pPr/>
-              <a:t>2017-10-17</a:t>
+              <a:t>2017-10-18</a:t>
             </a:fld>
             <a:endParaRPr lang="ko-KR" altLang="en-US"/>
           </a:p>
@@ -893,7 +893,7 @@
     </p:spTree>
     <p:extLst>
       <p:ext uri="{BB962C8B-B14F-4D97-AF65-F5344CB8AC3E}">
-        <p14:creationId xmlns="" xmlns:p14="http://schemas.microsoft.com/office/powerpoint/2010/main" val="269422122"/>
+        <p14:creationId xmlns:p14="http://schemas.microsoft.com/office/powerpoint/2010/main" xmlns="" val="269422122"/>
       </p:ext>
     </p:extLst>
   </p:cSld>
@@ -1023,7 +1023,7 @@
             <a:fld id="{BF520C7A-B1C9-4573-AFC6-A3B4EDFF741A}" type="datetimeFigureOut">
               <a:rPr lang="ko-KR" altLang="en-US" smtClean="0"/>
               <a:pPr/>
-              <a:t>2017-10-17</a:t>
+              <a:t>2017-10-18</a:t>
             </a:fld>
             <a:endParaRPr lang="ko-KR" altLang="en-US"/>
           </a:p>
@@ -1075,7 +1075,7 @@
     </p:spTree>
     <p:extLst>
       <p:ext uri="{BB962C8B-B14F-4D97-AF65-F5344CB8AC3E}">
-        <p14:creationId xmlns="" xmlns:p14="http://schemas.microsoft.com/office/powerpoint/2010/main" val="1417687495"/>
+        <p14:creationId xmlns:p14="http://schemas.microsoft.com/office/powerpoint/2010/main" xmlns="" val="1417687495"/>
       </p:ext>
     </p:extLst>
   </p:cSld>
@@ -1195,7 +1195,7 @@
             <a:fld id="{BF520C7A-B1C9-4573-AFC6-A3B4EDFF741A}" type="datetimeFigureOut">
               <a:rPr lang="ko-KR" altLang="en-US" smtClean="0"/>
               <a:pPr/>
-              <a:t>2017-10-17</a:t>
+              <a:t>2017-10-18</a:t>
             </a:fld>
             <a:endParaRPr lang="ko-KR" altLang="en-US"/>
           </a:p>
@@ -1247,7 +1247,7 @@
     </p:spTree>
     <p:extLst>
       <p:ext uri="{BB962C8B-B14F-4D97-AF65-F5344CB8AC3E}">
-        <p14:creationId xmlns="" xmlns:p14="http://schemas.microsoft.com/office/powerpoint/2010/main" val="298232650"/>
+        <p14:creationId xmlns:p14="http://schemas.microsoft.com/office/powerpoint/2010/main" xmlns="" val="298232650"/>
       </p:ext>
     </p:extLst>
   </p:cSld>
@@ -1443,7 +1443,7 @@
             <a:fld id="{BF520C7A-B1C9-4573-AFC6-A3B4EDFF741A}" type="datetimeFigureOut">
               <a:rPr lang="ko-KR" altLang="en-US" smtClean="0"/>
               <a:pPr/>
-              <a:t>2017-10-17</a:t>
+              <a:t>2017-10-18</a:t>
             </a:fld>
             <a:endParaRPr lang="ko-KR" altLang="en-US"/>
           </a:p>
@@ -1495,7 +1495,7 @@
     </p:spTree>
     <p:extLst>
       <p:ext uri="{BB962C8B-B14F-4D97-AF65-F5344CB8AC3E}">
-        <p14:creationId xmlns="" xmlns:p14="http://schemas.microsoft.com/office/powerpoint/2010/main" val="1398583880"/>
+        <p14:creationId xmlns:p14="http://schemas.microsoft.com/office/powerpoint/2010/main" xmlns="" val="1398583880"/>
       </p:ext>
     </p:extLst>
   </p:cSld>
@@ -1733,7 +1733,7 @@
             <a:fld id="{BF520C7A-B1C9-4573-AFC6-A3B4EDFF741A}" type="datetimeFigureOut">
               <a:rPr lang="ko-KR" altLang="en-US" smtClean="0"/>
               <a:pPr/>
-              <a:t>2017-10-17</a:t>
+              <a:t>2017-10-18</a:t>
             </a:fld>
             <a:endParaRPr lang="ko-KR" altLang="en-US"/>
           </a:p>
@@ -1785,7 +1785,7 @@
     </p:spTree>
     <p:extLst>
       <p:ext uri="{BB962C8B-B14F-4D97-AF65-F5344CB8AC3E}">
-        <p14:creationId xmlns="" xmlns:p14="http://schemas.microsoft.com/office/powerpoint/2010/main" val="3661865334"/>
+        <p14:creationId xmlns:p14="http://schemas.microsoft.com/office/powerpoint/2010/main" xmlns="" val="3661865334"/>
       </p:ext>
     </p:extLst>
   </p:cSld>
@@ -2157,7 +2157,7 @@
             <a:fld id="{BF520C7A-B1C9-4573-AFC6-A3B4EDFF741A}" type="datetimeFigureOut">
               <a:rPr lang="ko-KR" altLang="en-US" smtClean="0"/>
               <a:pPr/>
-              <a:t>2017-10-17</a:t>
+              <a:t>2017-10-18</a:t>
             </a:fld>
             <a:endParaRPr lang="ko-KR" altLang="en-US"/>
           </a:p>
@@ -2209,7 +2209,7 @@
     </p:spTree>
     <p:extLst>
       <p:ext uri="{BB962C8B-B14F-4D97-AF65-F5344CB8AC3E}">
-        <p14:creationId xmlns="" xmlns:p14="http://schemas.microsoft.com/office/powerpoint/2010/main" val="4099241536"/>
+        <p14:creationId xmlns:p14="http://schemas.microsoft.com/office/powerpoint/2010/main" xmlns="" val="4099241536"/>
       </p:ext>
     </p:extLst>
   </p:cSld>
@@ -2277,7 +2277,7 @@
             <a:fld id="{BF520C7A-B1C9-4573-AFC6-A3B4EDFF741A}" type="datetimeFigureOut">
               <a:rPr lang="ko-KR" altLang="en-US" smtClean="0"/>
               <a:pPr/>
-              <a:t>2017-10-17</a:t>
+              <a:t>2017-10-18</a:t>
             </a:fld>
             <a:endParaRPr lang="ko-KR" altLang="en-US"/>
           </a:p>
@@ -2329,7 +2329,7 @@
     </p:spTree>
     <p:extLst>
       <p:ext uri="{BB962C8B-B14F-4D97-AF65-F5344CB8AC3E}">
-        <p14:creationId xmlns="" xmlns:p14="http://schemas.microsoft.com/office/powerpoint/2010/main" val="4049729093"/>
+        <p14:creationId xmlns:p14="http://schemas.microsoft.com/office/powerpoint/2010/main" xmlns="" val="4049729093"/>
       </p:ext>
     </p:extLst>
   </p:cSld>
@@ -2374,7 +2374,7 @@
             <a:fld id="{BF520C7A-B1C9-4573-AFC6-A3B4EDFF741A}" type="datetimeFigureOut">
               <a:rPr lang="ko-KR" altLang="en-US" smtClean="0"/>
               <a:pPr/>
-              <a:t>2017-10-17</a:t>
+              <a:t>2017-10-18</a:t>
             </a:fld>
             <a:endParaRPr lang="ko-KR" altLang="en-US"/>
           </a:p>
@@ -2426,7 +2426,7 @@
     </p:spTree>
     <p:extLst>
       <p:ext uri="{BB962C8B-B14F-4D97-AF65-F5344CB8AC3E}">
-        <p14:creationId xmlns="" xmlns:p14="http://schemas.microsoft.com/office/powerpoint/2010/main" val="4002344057"/>
+        <p14:creationId xmlns:p14="http://schemas.microsoft.com/office/powerpoint/2010/main" xmlns="" val="4002344057"/>
       </p:ext>
     </p:extLst>
   </p:cSld>
@@ -2653,7 +2653,7 @@
             <a:fld id="{BF520C7A-B1C9-4573-AFC6-A3B4EDFF741A}" type="datetimeFigureOut">
               <a:rPr lang="ko-KR" altLang="en-US" smtClean="0"/>
               <a:pPr/>
-              <a:t>2017-10-17</a:t>
+              <a:t>2017-10-18</a:t>
             </a:fld>
             <a:endParaRPr lang="ko-KR" altLang="en-US"/>
           </a:p>
@@ -2705,7 +2705,7 @@
     </p:spTree>
     <p:extLst>
       <p:ext uri="{BB962C8B-B14F-4D97-AF65-F5344CB8AC3E}">
-        <p14:creationId xmlns="" xmlns:p14="http://schemas.microsoft.com/office/powerpoint/2010/main" val="3750341536"/>
+        <p14:creationId xmlns:p14="http://schemas.microsoft.com/office/powerpoint/2010/main" xmlns="" val="3750341536"/>
       </p:ext>
     </p:extLst>
   </p:cSld>
@@ -2908,7 +2908,7 @@
             <a:fld id="{BF520C7A-B1C9-4573-AFC6-A3B4EDFF741A}" type="datetimeFigureOut">
               <a:rPr lang="ko-KR" altLang="en-US" smtClean="0"/>
               <a:pPr/>
-              <a:t>2017-10-17</a:t>
+              <a:t>2017-10-18</a:t>
             </a:fld>
             <a:endParaRPr lang="ko-KR" altLang="en-US"/>
           </a:p>
@@ -2960,7 +2960,7 @@
     </p:spTree>
     <p:extLst>
       <p:ext uri="{BB962C8B-B14F-4D97-AF65-F5344CB8AC3E}">
-        <p14:creationId xmlns="" xmlns:p14="http://schemas.microsoft.com/office/powerpoint/2010/main" val="2379175837"/>
+        <p14:creationId xmlns:p14="http://schemas.microsoft.com/office/powerpoint/2010/main" xmlns="" val="2379175837"/>
       </p:ext>
     </p:extLst>
   </p:cSld>
@@ -3123,7 +3123,7 @@
             <a:fld id="{BF520C7A-B1C9-4573-AFC6-A3B4EDFF741A}" type="datetimeFigureOut">
               <a:rPr lang="ko-KR" altLang="en-US" smtClean="0"/>
               <a:pPr/>
-              <a:t>2017-10-17</a:t>
+              <a:t>2017-10-18</a:t>
             </a:fld>
             <a:endParaRPr lang="ko-KR" altLang="en-US"/>
           </a:p>
@@ -3211,7 +3211,7 @@
     </p:spTree>
     <p:extLst>
       <p:ext uri="{BB962C8B-B14F-4D97-AF65-F5344CB8AC3E}">
-        <p14:creationId xmlns="" xmlns:p14="http://schemas.microsoft.com/office/powerpoint/2010/main" val="537721169"/>
+        <p14:creationId xmlns:p14="http://schemas.microsoft.com/office/powerpoint/2010/main" xmlns="" val="537721169"/>
       </p:ext>
     </p:extLst>
   </p:cSld>
@@ -3861,7 +3861,7 @@
             <a:blip r:embed="rId2">
               <a:extLst>
                 <a:ext uri="{28A0092B-C50C-407E-A947-70E740481C1C}">
-                  <a14:useLocalDpi xmlns="" xmlns:a14="http://schemas.microsoft.com/office/drawing/2010/main" val="0"/>
+                  <a14:useLocalDpi xmlns:a14="http://schemas.microsoft.com/office/drawing/2010/main" xmlns="" val="0"/>
                 </a:ext>
               </a:extLst>
             </a:blip>
@@ -3960,7 +3960,7 @@
     </p:spTree>
     <p:extLst>
       <p:ext uri="{BB962C8B-B14F-4D97-AF65-F5344CB8AC3E}">
-        <p14:creationId xmlns="" xmlns:p14="http://schemas.microsoft.com/office/powerpoint/2010/main" val="3126849564"/>
+        <p14:creationId xmlns:p14="http://schemas.microsoft.com/office/powerpoint/2010/main" xmlns="" val="3126849564"/>
       </p:ext>
     </p:extLst>
   </p:cSld>
@@ -3968,7 +3968,7 @@
     <a:masterClrMapping/>
   </p:clrMapOvr>
   <mc:AlternateContent xmlns:mc="http://schemas.openxmlformats.org/markup-compatibility/2006">
-    <mc:Choice xmlns="" xmlns:p14="http://schemas.microsoft.com/office/powerpoint/2010/main" Requires="p14">
+    <mc:Choice xmlns:p14="http://schemas.microsoft.com/office/powerpoint/2010/main" xmlns="" Requires="p14">
       <p:transition spd="med" p14:dur="700">
         <p:fade/>
       </p:transition>
@@ -4180,7 +4180,7 @@
           <a:blip r:embed="rId2" cstate="print">
             <a:extLst>
               <a:ext uri="{28A0092B-C50C-407E-A947-70E740481C1C}">
-                <a14:useLocalDpi xmlns="" xmlns:a14="http://schemas.microsoft.com/office/drawing/2010/main" val="0"/>
+                <a14:useLocalDpi xmlns:a14="http://schemas.microsoft.com/office/drawing/2010/main" xmlns="" val="0"/>
               </a:ext>
             </a:extLst>
           </a:blip>
@@ -6807,7 +6807,7 @@
     </p:spTree>
     <p:extLst>
       <p:ext uri="{BB962C8B-B14F-4D97-AF65-F5344CB8AC3E}">
-        <p14:creationId xmlns="" xmlns:p14="http://schemas.microsoft.com/office/powerpoint/2010/main" val="196311325"/>
+        <p14:creationId xmlns:p14="http://schemas.microsoft.com/office/powerpoint/2010/main" xmlns="" val="196311325"/>
       </p:ext>
     </p:extLst>
   </p:cSld>
@@ -6815,7 +6815,7 @@
     <a:masterClrMapping/>
   </p:clrMapOvr>
   <mc:AlternateContent xmlns:mc="http://schemas.openxmlformats.org/markup-compatibility/2006">
-    <mc:Choice xmlns="" xmlns:p14="http://schemas.microsoft.com/office/powerpoint/2010/main" Requires="p14">
+    <mc:Choice xmlns:p14="http://schemas.microsoft.com/office/powerpoint/2010/main" xmlns="" Requires="p14">
       <p:transition spd="med" p14:dur="700">
         <p:fade/>
       </p:transition>
@@ -6897,7 +6897,7 @@
             <a:blip r:embed="rId2">
               <a:extLst>
                 <a:ext uri="{28A0092B-C50C-407E-A947-70E740481C1C}">
-                  <a14:useLocalDpi xmlns="" xmlns:a14="http://schemas.microsoft.com/office/drawing/2010/main" val="0"/>
+                  <a14:useLocalDpi xmlns:a14="http://schemas.microsoft.com/office/drawing/2010/main" xmlns="" val="0"/>
                 </a:ext>
               </a:extLst>
             </a:blip>
@@ -7014,24 +7014,7 @@
                     <a:latin typeface="-윤고딕330" pitchFamily="18" charset="-127"/>
                     <a:ea typeface="-윤고딕330" pitchFamily="18" charset="-127"/>
                   </a:rPr>
-                  <a:t>04 </a:t>
-                </a:r>
-                <a:r>
-                  <a:rPr lang="en-US" altLang="ko-KR" sz="2400" dirty="0" smtClean="0">
-                    <a:ln>
-                      <a:solidFill>
-                        <a:schemeClr val="bg1">
-                          <a:alpha val="0"/>
-                        </a:schemeClr>
-                      </a:solidFill>
-                    </a:ln>
-                    <a:solidFill>
-                      <a:schemeClr val="bg1"/>
-                    </a:solidFill>
-                    <a:latin typeface="-윤고딕330" pitchFamily="18" charset="-127"/>
-                    <a:ea typeface="-윤고딕330" pitchFamily="18" charset="-127"/>
-                  </a:rPr>
-                  <a:t>Commit Insight</a:t>
+                  <a:t>04 Commit Insight</a:t>
                 </a:r>
                 <a:endParaRPr lang="ko-KR" altLang="en-US" sz="2400" dirty="0">
                   <a:ln>
@@ -7247,7 +7230,7 @@
     </p:spTree>
     <p:extLst>
       <p:ext uri="{BB962C8B-B14F-4D97-AF65-F5344CB8AC3E}">
-        <p14:creationId xmlns="" xmlns:p14="http://schemas.microsoft.com/office/powerpoint/2010/main" val="2057507877"/>
+        <p14:creationId xmlns:p14="http://schemas.microsoft.com/office/powerpoint/2010/main" xmlns="" val="2057507877"/>
       </p:ext>
     </p:extLst>
   </p:cSld>
@@ -7255,7 +7238,7 @@
     <a:masterClrMapping/>
   </p:clrMapOvr>
   <mc:AlternateContent xmlns:mc="http://schemas.openxmlformats.org/markup-compatibility/2006">
-    <mc:Choice xmlns="" xmlns:p14="http://schemas.microsoft.com/office/powerpoint/2010/main" Requires="p14">
+    <mc:Choice xmlns:p14="http://schemas.microsoft.com/office/powerpoint/2010/main" xmlns="" Requires="p14">
       <p:transition spd="med" p14:dur="700">
         <p:fade/>
       </p:transition>
@@ -7467,7 +7450,7 @@
           <a:blip r:embed="rId2" cstate="print">
             <a:extLst>
               <a:ext uri="{28A0092B-C50C-407E-A947-70E740481C1C}">
-                <a14:useLocalDpi xmlns="" xmlns:a14="http://schemas.microsoft.com/office/drawing/2010/main" val="0"/>
+                <a14:useLocalDpi xmlns:a14="http://schemas.microsoft.com/office/drawing/2010/main" xmlns="" val="0"/>
               </a:ext>
             </a:extLst>
           </a:blip>
@@ -9801,10 +9784,76 @@
           </p:txBody>
         </p:sp>
       </p:grpSp>
+      <p:pic>
+        <p:nvPicPr>
+          <p:cNvPr id="1026" name="Picture 2"/>
+          <p:cNvPicPr>
+            <a:picLocks noChangeAspect="1" noChangeArrowheads="1"/>
+          </p:cNvPicPr>
+          <p:nvPr/>
+        </p:nvPicPr>
+        <p:blipFill>
+          <a:blip r:embed="rId3"/>
+          <a:srcRect l="41016" t="29166" r="30566" b="46875"/>
+          <a:stretch>
+            <a:fillRect/>
+          </a:stretch>
+        </p:blipFill>
+        <p:spPr bwMode="auto">
+          <a:xfrm>
+            <a:off x="0" y="1857364"/>
+            <a:ext cx="6929454" cy="3286148"/>
+          </a:xfrm>
+          <a:prstGeom prst="rect">
+            <a:avLst/>
+          </a:prstGeom>
+          <a:noFill/>
+          <a:ln w="9525">
+            <a:noFill/>
+            <a:miter lim="800000"/>
+            <a:headEnd/>
+            <a:tailEnd/>
+          </a:ln>
+          <a:effectLst/>
+        </p:spPr>
+      </p:pic>
+      <p:pic>
+        <p:nvPicPr>
+          <p:cNvPr id="75" name="Picture 2"/>
+          <p:cNvPicPr>
+            <a:picLocks noChangeAspect="1" noChangeArrowheads="1"/>
+          </p:cNvPicPr>
+          <p:nvPr/>
+        </p:nvPicPr>
+        <p:blipFill>
+          <a:blip r:embed="rId3"/>
+          <a:srcRect l="64454" t="17708" r="30566" b="71354"/>
+          <a:stretch>
+            <a:fillRect/>
+          </a:stretch>
+        </p:blipFill>
+        <p:spPr bwMode="auto">
+          <a:xfrm>
+            <a:off x="7143768" y="2928934"/>
+            <a:ext cx="1792707" cy="2214578"/>
+          </a:xfrm>
+          <a:prstGeom prst="rect">
+            <a:avLst/>
+          </a:prstGeom>
+          <a:noFill/>
+          <a:ln w="9525">
+            <a:noFill/>
+            <a:miter lim="800000"/>
+            <a:headEnd/>
+            <a:tailEnd/>
+          </a:ln>
+          <a:effectLst/>
+        </p:spPr>
+      </p:pic>
     </p:spTree>
     <p:extLst>
       <p:ext uri="{BB962C8B-B14F-4D97-AF65-F5344CB8AC3E}">
-        <p14:creationId xmlns="" xmlns:p14="http://schemas.microsoft.com/office/powerpoint/2010/main" val="773090746"/>
+        <p14:creationId xmlns:p14="http://schemas.microsoft.com/office/powerpoint/2010/main" xmlns="" val="773090746"/>
       </p:ext>
     </p:extLst>
   </p:cSld>
@@ -9812,7 +9861,7 @@
     <a:masterClrMapping/>
   </p:clrMapOvr>
   <mc:AlternateContent xmlns:mc="http://schemas.openxmlformats.org/markup-compatibility/2006">
-    <mc:Choice xmlns="" xmlns:p14="http://schemas.microsoft.com/office/powerpoint/2010/main" Requires="p14">
+    <mc:Choice xmlns:p14="http://schemas.microsoft.com/office/powerpoint/2010/main" xmlns="" Requires="p14">
       <p:transition spd="med" p14:dur="700">
         <p:fade/>
       </p:transition>
@@ -10191,7 +10240,7 @@
           <a:blip r:embed="rId2" cstate="print">
             <a:extLst>
               <a:ext uri="{28A0092B-C50C-407E-A947-70E740481C1C}">
-                <a14:useLocalDpi xmlns="" xmlns:a14="http://schemas.microsoft.com/office/drawing/2010/main" val="0"/>
+                <a14:useLocalDpi xmlns:a14="http://schemas.microsoft.com/office/drawing/2010/main" xmlns="" val="0"/>
               </a:ext>
             </a:extLst>
           </a:blip>
@@ -10212,7 +10261,7 @@
     </p:spTree>
     <p:extLst>
       <p:ext uri="{BB962C8B-B14F-4D97-AF65-F5344CB8AC3E}">
-        <p14:creationId xmlns="" xmlns:p14="http://schemas.microsoft.com/office/powerpoint/2010/main" val="859675581"/>
+        <p14:creationId xmlns:p14="http://schemas.microsoft.com/office/powerpoint/2010/main" xmlns="" val="859675581"/>
       </p:ext>
     </p:extLst>
   </p:cSld>
@@ -10220,7 +10269,7 @@
     <a:masterClrMapping/>
   </p:clrMapOvr>
   <mc:AlternateContent xmlns:mc="http://schemas.openxmlformats.org/markup-compatibility/2006">
-    <mc:Choice xmlns="" xmlns:p14="http://schemas.microsoft.com/office/powerpoint/2010/main" Requires="p14">
+    <mc:Choice xmlns:p14="http://schemas.microsoft.com/office/powerpoint/2010/main" xmlns="" Requires="p14">
       <p:transition spd="med" p14:dur="700">
         <p:fade/>
       </p:transition>
@@ -10550,7 +10599,7 @@
             <a:blip r:embed="rId2" cstate="print">
               <a:extLst>
                 <a:ext uri="{28A0092B-C50C-407E-A947-70E740481C1C}">
-                  <a14:useLocalDpi xmlns="" xmlns:a14="http://schemas.microsoft.com/office/drawing/2010/main" val="0"/>
+                  <a14:useLocalDpi xmlns:a14="http://schemas.microsoft.com/office/drawing/2010/main" xmlns="" val="0"/>
                 </a:ext>
               </a:extLst>
             </a:blip>
@@ -10651,7 +10700,7 @@
             <a:blip r:embed="rId2" cstate="print">
               <a:extLst>
                 <a:ext uri="{28A0092B-C50C-407E-A947-70E740481C1C}">
-                  <a14:useLocalDpi xmlns="" xmlns:a14="http://schemas.microsoft.com/office/drawing/2010/main" val="0"/>
+                  <a14:useLocalDpi xmlns:a14="http://schemas.microsoft.com/office/drawing/2010/main" xmlns="" val="0"/>
                 </a:ext>
               </a:extLst>
             </a:blip>
@@ -10769,7 +10818,7 @@
             <a:blip r:embed="rId2" cstate="print">
               <a:extLst>
                 <a:ext uri="{28A0092B-C50C-407E-A947-70E740481C1C}">
-                  <a14:useLocalDpi xmlns="" xmlns:a14="http://schemas.microsoft.com/office/drawing/2010/main" val="0"/>
+                  <a14:useLocalDpi xmlns:a14="http://schemas.microsoft.com/office/drawing/2010/main" xmlns="" val="0"/>
                 </a:ext>
               </a:extLst>
             </a:blip>
@@ -10887,7 +10936,7 @@
             <a:blip r:embed="rId2" cstate="print">
               <a:extLst>
                 <a:ext uri="{28A0092B-C50C-407E-A947-70E740481C1C}">
-                  <a14:useLocalDpi xmlns="" xmlns:a14="http://schemas.microsoft.com/office/drawing/2010/main" val="0"/>
+                  <a14:useLocalDpi xmlns:a14="http://schemas.microsoft.com/office/drawing/2010/main" xmlns="" val="0"/>
                 </a:ext>
               </a:extLst>
             </a:blip>
@@ -11402,7 +11451,7 @@
     </p:spTree>
     <p:extLst>
       <p:ext uri="{BB962C8B-B14F-4D97-AF65-F5344CB8AC3E}">
-        <p14:creationId xmlns="" xmlns:p14="http://schemas.microsoft.com/office/powerpoint/2010/main" val="1132473957"/>
+        <p14:creationId xmlns:p14="http://schemas.microsoft.com/office/powerpoint/2010/main" xmlns="" val="1132473957"/>
       </p:ext>
     </p:extLst>
   </p:cSld>
@@ -11410,7 +11459,7 @@
     <a:masterClrMapping/>
   </p:clrMapOvr>
   <mc:AlternateContent xmlns:mc="http://schemas.openxmlformats.org/markup-compatibility/2006">
-    <mc:Choice xmlns="" xmlns:p14="http://schemas.microsoft.com/office/powerpoint/2010/main" Requires="p14">
+    <mc:Choice xmlns:p14="http://schemas.microsoft.com/office/powerpoint/2010/main" xmlns="" Requires="p14">
       <p:transition spd="med" p14:dur="700">
         <p:fade/>
       </p:transition>
@@ -11492,7 +11541,7 @@
             <a:blip r:embed="rId2">
               <a:extLst>
                 <a:ext uri="{28A0092B-C50C-407E-A947-70E740481C1C}">
-                  <a14:useLocalDpi xmlns="" xmlns:a14="http://schemas.microsoft.com/office/drawing/2010/main" val="0"/>
+                  <a14:useLocalDpi xmlns:a14="http://schemas.microsoft.com/office/drawing/2010/main" xmlns="" val="0"/>
                 </a:ext>
               </a:extLst>
             </a:blip>
@@ -11842,7 +11891,7 @@
     </p:spTree>
     <p:extLst>
       <p:ext uri="{BB962C8B-B14F-4D97-AF65-F5344CB8AC3E}">
-        <p14:creationId xmlns="" xmlns:p14="http://schemas.microsoft.com/office/powerpoint/2010/main" val="3704694768"/>
+        <p14:creationId xmlns:p14="http://schemas.microsoft.com/office/powerpoint/2010/main" xmlns="" val="3704694768"/>
       </p:ext>
     </p:extLst>
   </p:cSld>
@@ -11850,7 +11899,7 @@
     <a:masterClrMapping/>
   </p:clrMapOvr>
   <mc:AlternateContent xmlns:mc="http://schemas.openxmlformats.org/markup-compatibility/2006">
-    <mc:Choice xmlns="" xmlns:p14="http://schemas.microsoft.com/office/powerpoint/2010/main" Requires="p14">
+    <mc:Choice xmlns:p14="http://schemas.microsoft.com/office/powerpoint/2010/main" xmlns="" Requires="p14">
       <p:transition spd="med" p14:dur="700">
         <p:fade/>
       </p:transition>
@@ -12062,7 +12111,7 @@
           <a:blip r:embed="rId2" cstate="print">
             <a:extLst>
               <a:ext uri="{28A0092B-C50C-407E-A947-70E740481C1C}">
-                <a14:useLocalDpi xmlns="" xmlns:a14="http://schemas.microsoft.com/office/drawing/2010/main" val="0"/>
+                <a14:useLocalDpi xmlns:a14="http://schemas.microsoft.com/office/drawing/2010/main" xmlns="" val="0"/>
               </a:ext>
             </a:extLst>
           </a:blip>
@@ -14770,7 +14819,7 @@
     </p:spTree>
     <p:extLst>
       <p:ext uri="{BB962C8B-B14F-4D97-AF65-F5344CB8AC3E}">
-        <p14:creationId xmlns="" xmlns:p14="http://schemas.microsoft.com/office/powerpoint/2010/main" val="773090746"/>
+        <p14:creationId xmlns:p14="http://schemas.microsoft.com/office/powerpoint/2010/main" xmlns="" val="773090746"/>
       </p:ext>
     </p:extLst>
   </p:cSld>
@@ -14778,7 +14827,7 @@
     <a:masterClrMapping/>
   </p:clrMapOvr>
   <mc:AlternateContent xmlns:mc="http://schemas.openxmlformats.org/markup-compatibility/2006">
-    <mc:Choice xmlns="" xmlns:p14="http://schemas.microsoft.com/office/powerpoint/2010/main" Requires="p14">
+    <mc:Choice xmlns:p14="http://schemas.microsoft.com/office/powerpoint/2010/main" xmlns="" Requires="p14">
       <p:transition spd="med" p14:dur="700">
         <p:fade/>
       </p:transition>
@@ -14990,7 +15039,7 @@
           <a:blip r:embed="rId2" cstate="print">
             <a:extLst>
               <a:ext uri="{28A0092B-C50C-407E-A947-70E740481C1C}">
-                <a14:useLocalDpi xmlns="" xmlns:a14="http://schemas.microsoft.com/office/drawing/2010/main" val="0"/>
+                <a14:useLocalDpi xmlns:a14="http://schemas.microsoft.com/office/drawing/2010/main" xmlns="" val="0"/>
               </a:ext>
             </a:extLst>
           </a:blip>
@@ -15822,7 +15871,6 @@
                         <a:rPr lang="en-US" altLang="ko-KR" sz="1200" baseline="0" dirty="0" smtClean="0"/>
                         <a:t>80% / 80%</a:t>
                       </a:r>
-                      <a:endParaRPr lang="en-US" altLang="ko-KR" sz="1200" baseline="0" dirty="0" smtClean="0"/>
                     </a:p>
                   </a:txBody>
                   <a:tcPr/>
@@ -15870,7 +15918,6 @@
                         <a:rPr lang="en-US" altLang="ko-KR" sz="1200" baseline="0" dirty="0" smtClean="0"/>
                         <a:t> / 50%</a:t>
                       </a:r>
-                      <a:endParaRPr lang="en-US" altLang="ko-KR" sz="1200" baseline="0" dirty="0" smtClean="0"/>
                     </a:p>
                   </a:txBody>
                   <a:tcPr/>
@@ -15883,7 +15930,7 @@
     </p:spTree>
     <p:extLst>
       <p:ext uri="{BB962C8B-B14F-4D97-AF65-F5344CB8AC3E}">
-        <p14:creationId xmlns="" xmlns:p14="http://schemas.microsoft.com/office/powerpoint/2010/main" val="3808572016"/>
+        <p14:creationId xmlns:p14="http://schemas.microsoft.com/office/powerpoint/2010/main" xmlns="" val="3808572016"/>
       </p:ext>
     </p:extLst>
   </p:cSld>
@@ -15891,7 +15938,7 @@
     <a:masterClrMapping/>
   </p:clrMapOvr>
   <mc:AlternateContent xmlns:mc="http://schemas.openxmlformats.org/markup-compatibility/2006">
-    <mc:Choice xmlns="" xmlns:p14="http://schemas.microsoft.com/office/powerpoint/2010/main" Requires="p14">
+    <mc:Choice xmlns:p14="http://schemas.microsoft.com/office/powerpoint/2010/main" xmlns="" Requires="p14">
       <p:transition spd="med" p14:dur="700">
         <p:fade/>
       </p:transition>
@@ -16085,7 +16132,7 @@
           <a:blip r:embed="rId2" cstate="print">
             <a:extLst>
               <a:ext uri="{28A0092B-C50C-407E-A947-70E740481C1C}">
-                <a14:useLocalDpi xmlns="" xmlns:a14="http://schemas.microsoft.com/office/drawing/2010/main" val="0"/>
+                <a14:useLocalDpi xmlns:a14="http://schemas.microsoft.com/office/drawing/2010/main" xmlns="" val="0"/>
               </a:ext>
             </a:extLst>
           </a:blip>
@@ -16861,7 +16908,7 @@
     </p:spTree>
     <p:extLst>
       <p:ext uri="{BB962C8B-B14F-4D97-AF65-F5344CB8AC3E}">
-        <p14:creationId xmlns="" xmlns:p14="http://schemas.microsoft.com/office/powerpoint/2010/main" val="3808572016"/>
+        <p14:creationId xmlns:p14="http://schemas.microsoft.com/office/powerpoint/2010/main" xmlns="" val="3808572016"/>
       </p:ext>
     </p:extLst>
   </p:cSld>
@@ -16869,7 +16916,7 @@
     <a:masterClrMapping/>
   </p:clrMapOvr>
   <mc:AlternateContent xmlns:mc="http://schemas.openxmlformats.org/markup-compatibility/2006">
-    <mc:Choice xmlns="" xmlns:p14="http://schemas.microsoft.com/office/powerpoint/2010/main" Requires="p14">
+    <mc:Choice xmlns:p14="http://schemas.microsoft.com/office/powerpoint/2010/main" xmlns="" Requires="p14">
       <p:transition spd="med" p14:dur="700">
         <p:fade/>
       </p:transition>
@@ -16951,7 +16998,7 @@
             <a:blip r:embed="rId2">
               <a:extLst>
                 <a:ext uri="{28A0092B-C50C-407E-A947-70E740481C1C}">
-                  <a14:useLocalDpi xmlns="" xmlns:a14="http://schemas.microsoft.com/office/drawing/2010/main" val="0"/>
+                  <a14:useLocalDpi xmlns:a14="http://schemas.microsoft.com/office/drawing/2010/main" xmlns="" val="0"/>
                 </a:ext>
               </a:extLst>
             </a:blip>
@@ -17301,7 +17348,7 @@
     </p:spTree>
     <p:extLst>
       <p:ext uri="{BB962C8B-B14F-4D97-AF65-F5344CB8AC3E}">
-        <p14:creationId xmlns="" xmlns:p14="http://schemas.microsoft.com/office/powerpoint/2010/main" val="3109840978"/>
+        <p14:creationId xmlns:p14="http://schemas.microsoft.com/office/powerpoint/2010/main" xmlns="" val="3109840978"/>
       </p:ext>
     </p:extLst>
   </p:cSld>
@@ -17309,7 +17356,7 @@
     <a:masterClrMapping/>
   </p:clrMapOvr>
   <mc:AlternateContent xmlns:mc="http://schemas.openxmlformats.org/markup-compatibility/2006">
-    <mc:Choice xmlns="" xmlns:p14="http://schemas.microsoft.com/office/powerpoint/2010/main" Requires="p14">
+    <mc:Choice xmlns:p14="http://schemas.microsoft.com/office/powerpoint/2010/main" xmlns="" Requires="p14">
       <p:transition spd="med" p14:dur="700">
         <p:fade/>
       </p:transition>
@@ -17521,7 +17568,7 @@
           <a:blip r:embed="rId2" cstate="print">
             <a:extLst>
               <a:ext uri="{28A0092B-C50C-407E-A947-70E740481C1C}">
-                <a14:useLocalDpi xmlns="" xmlns:a14="http://schemas.microsoft.com/office/drawing/2010/main" val="0"/>
+                <a14:useLocalDpi xmlns:a14="http://schemas.microsoft.com/office/drawing/2010/main" xmlns="" val="0"/>
               </a:ext>
             </a:extLst>
           </a:blip>
@@ -18827,21 +18874,7 @@
                 <a:latin typeface="-윤고딕330" pitchFamily="18" charset="-127"/>
                 <a:ea typeface="-윤고딕330" pitchFamily="18" charset="-127"/>
               </a:rPr>
-              <a:t>문제</a:t>
-            </a:r>
-            <a:r>
-              <a:rPr lang="ko-KR" altLang="en-US" sz="2400" dirty="0" smtClean="0">
-                <a:ln>
-                  <a:solidFill>
-                    <a:schemeClr val="bg1">
-                      <a:alpha val="0"/>
-                    </a:schemeClr>
-                  </a:solidFill>
-                </a:ln>
-                <a:latin typeface="-윤고딕330" pitchFamily="18" charset="-127"/>
-                <a:ea typeface="-윤고딕330" pitchFamily="18" charset="-127"/>
-              </a:rPr>
-              <a:t>점</a:t>
+              <a:t>문제점</a:t>
             </a:r>
             <a:endParaRPr lang="ko-KR" altLang="en-US" sz="2400" dirty="0">
               <a:ln>
@@ -19392,7 +19425,7 @@
     </p:spTree>
     <p:extLst>
       <p:ext uri="{BB962C8B-B14F-4D97-AF65-F5344CB8AC3E}">
-        <p14:creationId xmlns="" xmlns:p14="http://schemas.microsoft.com/office/powerpoint/2010/main" val="1472006830"/>
+        <p14:creationId xmlns:p14="http://schemas.microsoft.com/office/powerpoint/2010/main" xmlns="" val="1472006830"/>
       </p:ext>
     </p:extLst>
   </p:cSld>
@@ -19400,7 +19433,7 @@
     <a:masterClrMapping/>
   </p:clrMapOvr>
   <mc:AlternateContent xmlns:mc="http://schemas.openxmlformats.org/markup-compatibility/2006">
-    <mc:Choice xmlns="" xmlns:p14="http://schemas.microsoft.com/office/powerpoint/2010/main" Requires="p14">
+    <mc:Choice xmlns:p14="http://schemas.microsoft.com/office/powerpoint/2010/main" xmlns="" Requires="p14">
       <p:transition spd="med" p14:dur="700">
         <p:fade/>
       </p:transition>
@@ -19482,7 +19515,7 @@
             <a:blip r:embed="rId2">
               <a:extLst>
                 <a:ext uri="{28A0092B-C50C-407E-A947-70E740481C1C}">
-                  <a14:useLocalDpi xmlns="" xmlns:a14="http://schemas.microsoft.com/office/drawing/2010/main" val="0"/>
+                  <a14:useLocalDpi xmlns:a14="http://schemas.microsoft.com/office/drawing/2010/main" xmlns="" val="0"/>
                 </a:ext>
               </a:extLst>
             </a:blip>
@@ -19832,7 +19865,7 @@
     </p:spTree>
     <p:extLst>
       <p:ext uri="{BB962C8B-B14F-4D97-AF65-F5344CB8AC3E}">
-        <p14:creationId xmlns="" xmlns:p14="http://schemas.microsoft.com/office/powerpoint/2010/main" val="1175797229"/>
+        <p14:creationId xmlns:p14="http://schemas.microsoft.com/office/powerpoint/2010/main" xmlns="" val="1175797229"/>
       </p:ext>
     </p:extLst>
   </p:cSld>
@@ -19840,7 +19873,7 @@
     <a:masterClrMapping/>
   </p:clrMapOvr>
   <mc:AlternateContent xmlns:mc="http://schemas.openxmlformats.org/markup-compatibility/2006">
-    <mc:Choice xmlns="" xmlns:p14="http://schemas.microsoft.com/office/powerpoint/2010/main" Requires="p14">
+    <mc:Choice xmlns:p14="http://schemas.microsoft.com/office/powerpoint/2010/main" xmlns="" Requires="p14">
       <p:transition spd="med" p14:dur="700">
         <p:fade/>
       </p:transition>
